--- a/Team J/4. Final Presentation, Final Report/TeamJ_Final_Presentation.pptx
+++ b/Team J/4. Final Presentation, Final Report/TeamJ_Final_Presentation.pptx
@@ -23745,6 +23745,41 @@
           </a:p>
         </p:txBody>
       </p:sp>
+      <p:sp>
+        <p:nvSpPr>
+          <p:cNvPr id="4" name="가로 글상자 3"/>
+          <p:cNvSpPr txBox="1"/>
+          <p:nvPr/>
+        </p:nvSpPr>
+        <p:spPr>
+          <a:xfrm>
+            <a:off x="837774" y="1660789"/>
+            <a:ext cx="3251863" cy="366131"/>
+          </a:xfrm>
+          <a:prstGeom prst="rect">
+            <a:avLst/>
+          </a:prstGeom>
+        </p:spPr>
+        <p:txBody>
+          <a:bodyPr wrap="square">
+            <a:spAutoFit/>
+          </a:bodyPr>
+          <a:p>
+            <a:pPr lvl="0">
+              <a:defRPr/>
+            </a:pPr>
+            <a:r>
+              <a:rPr lang="en-US" altLang="ko-KR"/>
+              <a:t>Demo : </a:t>
+            </a:r>
+            <a:r>
+              <a:rPr lang="en-US"/>
+              <a:t>114.200.143.95:3000</a:t>
+            </a:r>
+            <a:endParaRPr lang="en-US"/>
+          </a:p>
+        </p:txBody>
+      </p:sp>
     </p:spTree>
     <p:extLst>
       <p:ext uri="{BB962C8B-B14F-4D97-AF65-F5344CB8AC3E}">

--- a/Team J/4. Final Presentation, Final Report/TeamJ_Final_Presentation.pptx
+++ b/Team J/4. Final Presentation, Final Report/TeamJ_Final_Presentation.pptx
@@ -23753,7 +23753,7 @@
         </p:nvSpPr>
         <p:spPr>
           <a:xfrm>
-            <a:off x="837774" y="1660789"/>
+            <a:off x="1029695" y="1490192"/>
             <a:ext cx="3251863" cy="366131"/>
           </a:xfrm>
           <a:prstGeom prst="rect">
@@ -23769,14 +23769,18 @@
               <a:defRPr/>
             </a:pPr>
             <a:r>
-              <a:rPr lang="en-US" altLang="ko-KR"/>
+              <a:rPr lang="en-US" altLang="ko-KR">
+                <a:hlinkClick r:id="rId3"/>
+              </a:rPr>
               <a:t>Demo : </a:t>
             </a:r>
             <a:r>
-              <a:rPr lang="en-US"/>
+              <a:rPr lang="en-US">
+                <a:hlinkClick r:id="rId3"/>
+              </a:rPr>
               <a:t>114.200.143.95:3000</a:t>
             </a:r>
-            <a:endParaRPr lang="en-US"/>
+            <a:endParaRPr lang="en-US" altLang="ko-KR"/>
           </a:p>
         </p:txBody>
       </p:sp>
